--- a/COMP6200 Data Science Group Project.pptx
+++ b/COMP6200 Data Science Group Project.pptx
@@ -361,7 +361,7 @@
           <a:p>
             <a:fld id="{8C2D2B3C-D7E6-4918-B38C-EA9152F9629C}" type="datetimeFigureOut">
               <a:rPr lang="en-AU" smtClean="0"/>
-              <a:t>9/06/2020</a:t>
+              <a:t>24/11/2020</a:t>
             </a:fld>
             <a:endParaRPr lang="en-AU"/>
           </a:p>
@@ -531,7 +531,7 @@
           <a:p>
             <a:fld id="{8C2D2B3C-D7E6-4918-B38C-EA9152F9629C}" type="datetimeFigureOut">
               <a:rPr lang="en-AU" smtClean="0"/>
-              <a:t>9/06/2020</a:t>
+              <a:t>24/11/2020</a:t>
             </a:fld>
             <a:endParaRPr lang="en-AU"/>
           </a:p>
@@ -711,7 +711,7 @@
           <a:p>
             <a:fld id="{8C2D2B3C-D7E6-4918-B38C-EA9152F9629C}" type="datetimeFigureOut">
               <a:rPr lang="en-AU" smtClean="0"/>
-              <a:t>9/06/2020</a:t>
+              <a:t>24/11/2020</a:t>
             </a:fld>
             <a:endParaRPr lang="en-AU"/>
           </a:p>
@@ -881,7 +881,7 @@
           <a:p>
             <a:fld id="{8C2D2B3C-D7E6-4918-B38C-EA9152F9629C}" type="datetimeFigureOut">
               <a:rPr lang="en-AU" smtClean="0"/>
-              <a:t>9/06/2020</a:t>
+              <a:t>24/11/2020</a:t>
             </a:fld>
             <a:endParaRPr lang="en-AU"/>
           </a:p>
@@ -1139,7 +1139,7 @@
           <a:p>
             <a:fld id="{8C2D2B3C-D7E6-4918-B38C-EA9152F9629C}" type="datetimeFigureOut">
               <a:rPr lang="en-AU" smtClean="0"/>
-              <a:t>9/06/2020</a:t>
+              <a:t>24/11/2020</a:t>
             </a:fld>
             <a:endParaRPr lang="en-AU"/>
           </a:p>
@@ -1427,7 +1427,7 @@
           <a:p>
             <a:fld id="{8C2D2B3C-D7E6-4918-B38C-EA9152F9629C}" type="datetimeFigureOut">
               <a:rPr lang="en-AU" smtClean="0"/>
-              <a:t>9/06/2020</a:t>
+              <a:t>24/11/2020</a:t>
             </a:fld>
             <a:endParaRPr lang="en-AU"/>
           </a:p>
@@ -1869,7 +1869,7 @@
           <a:p>
             <a:fld id="{8C2D2B3C-D7E6-4918-B38C-EA9152F9629C}" type="datetimeFigureOut">
               <a:rPr lang="en-AU" smtClean="0"/>
-              <a:t>9/06/2020</a:t>
+              <a:t>24/11/2020</a:t>
             </a:fld>
             <a:endParaRPr lang="en-AU"/>
           </a:p>
@@ -1987,7 +1987,7 @@
           <a:p>
             <a:fld id="{8C2D2B3C-D7E6-4918-B38C-EA9152F9629C}" type="datetimeFigureOut">
               <a:rPr lang="en-AU" smtClean="0"/>
-              <a:t>9/06/2020</a:t>
+              <a:t>24/11/2020</a:t>
             </a:fld>
             <a:endParaRPr lang="en-AU"/>
           </a:p>
@@ -2082,7 +2082,7 @@
           <a:p>
             <a:fld id="{8C2D2B3C-D7E6-4918-B38C-EA9152F9629C}" type="datetimeFigureOut">
               <a:rPr lang="en-AU" smtClean="0"/>
-              <a:t>9/06/2020</a:t>
+              <a:t>24/11/2020</a:t>
             </a:fld>
             <a:endParaRPr lang="en-AU"/>
           </a:p>
@@ -2370,7 +2370,7 @@
           <a:p>
             <a:fld id="{8C2D2B3C-D7E6-4918-B38C-EA9152F9629C}" type="datetimeFigureOut">
               <a:rPr lang="en-AU" smtClean="0"/>
-              <a:t>9/06/2020</a:t>
+              <a:t>24/11/2020</a:t>
             </a:fld>
             <a:endParaRPr lang="en-AU"/>
           </a:p>
@@ -2643,7 +2643,7 @@
           <a:p>
             <a:fld id="{8C2D2B3C-D7E6-4918-B38C-EA9152F9629C}" type="datetimeFigureOut">
               <a:rPr lang="en-AU" smtClean="0"/>
-              <a:t>9/06/2020</a:t>
+              <a:t>24/11/2020</a:t>
             </a:fld>
             <a:endParaRPr lang="en-AU"/>
           </a:p>
@@ -2940,7 +2940,7 @@
           <a:p>
             <a:fld id="{8C2D2B3C-D7E6-4918-B38C-EA9152F9629C}" type="datetimeFigureOut">
               <a:rPr lang="en-AU" smtClean="0"/>
-              <a:t>9/06/2020</a:t>
+              <a:t>24/11/2020</a:t>
             </a:fld>
             <a:endParaRPr lang="en-AU"/>
           </a:p>
@@ -3662,15 +3662,7 @@
           <a:p>
             <a:r>
               <a:rPr lang="en-AU" sz="1600" b="1" dirty="0"/>
-              <a:t>Karthik Varma </a:t>
-            </a:r>
-            <a:r>
-              <a:rPr lang="en-AU" sz="1600" b="1" dirty="0" err="1"/>
-              <a:t>Keerthipati</a:t>
-            </a:r>
-            <a:r>
-              <a:rPr lang="en-AU" sz="1600" b="1" dirty="0"/>
-              <a:t> (46272496)</a:t>
+              <a:t>Karthik Varma Keerthipati </a:t>
             </a:r>
           </a:p>
           <a:p>
@@ -3688,13 +3680,13 @@
             </a:r>
             <a:r>
               <a:rPr lang="en-AU" sz="1600" b="1" dirty="0"/>
-              <a:t> Menon (46169377)</a:t>
+              <a:t> Menon </a:t>
             </a:r>
           </a:p>
           <a:p>
             <a:r>
               <a:rPr lang="en-AU" sz="1600" b="1" dirty="0"/>
-              <a:t>Bilal Qureshi (46119043)</a:t>
+              <a:t>Bilal Qureshi </a:t>
             </a:r>
           </a:p>
           <a:p>
@@ -3706,12 +3698,6 @@
               <a:rPr lang="en-AU" sz="1600" b="1" dirty="0" err="1"/>
               <a:t>Arif</a:t>
             </a:r>
-            <a:r>
-              <a:rPr lang="en-AU" sz="1600" b="1" dirty="0"/>
-              <a:t> (46142754)</a:t>
-            </a:r>
-          </a:p>
-          <a:p>
             <a:endParaRPr lang="en-AU" sz="1900" b="1" dirty="0"/>
           </a:p>
           <a:p>
